--- a/source/recursion/_static/procedure_calls/procedure_calls.pptx
+++ b/source/recursion/_static/procedure_calls/procedure_calls.pptx
@@ -3004,7 +3004,7 @@
           <a:p>
             <a:fld id="{84F29782-C61A-CD4C-9376-B0A272778357}" type="datetimeFigureOut">
               <a:rPr lang="en-NO" smtClean="0"/>
-              <a:t>17/09/2023</a:t>
+              <a:t>18/09/2023</a:t>
             </a:fld>
             <a:endParaRPr lang="en-NO"/>
           </a:p>
@@ -7193,8 +7193,8 @@
         </p:nvSpPr>
         <p:spPr>
           <a:xfrm>
-            <a:off x="8095488" y="5002300"/>
-            <a:ext cx="3454792" cy="646331"/>
+            <a:off x="8059774" y="5593892"/>
+            <a:ext cx="3584636" cy="646331"/>
           </a:xfrm>
           <a:prstGeom prst="rect">
             <a:avLst/>
@@ -7216,7 +7216,16 @@
                 <a:effectLst/>
                 <a:latin typeface="Montserrat" pitchFamily="2" charset="77"/>
               </a:rPr>
-              <a:t>Go to </a:t>
+              <a:t>Ask </a:t>
+            </a:r>
+            <a:r>
+              <a:rPr lang="en-GB" dirty="0">
+                <a:solidFill>
+                  <a:schemeClr val="accent6"/>
+                </a:solidFill>
+                <a:latin typeface="Montserrat" pitchFamily="2" charset="77"/>
+              </a:rPr>
+              <a:t>questions on </a:t>
             </a:r>
             <a:r>
               <a:rPr lang="en-GB" b="1" i="0" dirty="0" err="1">
@@ -7226,7 +7235,7 @@
                 <a:effectLst/>
                 <a:latin typeface="Montserrat" pitchFamily="2" charset="77"/>
               </a:rPr>
-              <a:t>www.menti.com</a:t>
+              <a:t>menti.com</a:t>
             </a:r>
             <a:r>
               <a:rPr lang="en-GB" b="0" i="0" dirty="0">
@@ -7236,7 +7245,7 @@
                 <a:effectLst/>
                 <a:latin typeface="Montserrat" pitchFamily="2" charset="77"/>
               </a:rPr>
-              <a:t> and </a:t>
+              <a:t> </a:t>
             </a:r>
             <a:br>
               <a:rPr lang="en-GB" b="0" i="0" dirty="0">
@@ -7248,6 +7257,15 @@
               </a:rPr>
             </a:br>
             <a:r>
+              <a:rPr lang="en-GB" dirty="0">
+                <a:solidFill>
+                  <a:schemeClr val="accent6"/>
+                </a:solidFill>
+                <a:latin typeface="Montserrat" pitchFamily="2" charset="77"/>
+              </a:rPr>
+              <a:t>with</a:t>
+            </a:r>
+            <a:r>
               <a:rPr lang="en-GB" b="0" i="0" dirty="0">
                 <a:solidFill>
                   <a:schemeClr val="accent6"/>
@@ -7255,7 +7273,7 @@
                 <a:effectLst/>
                 <a:latin typeface="Montserrat" pitchFamily="2" charset="77"/>
               </a:rPr>
-              <a:t>use the code </a:t>
+              <a:t> the code </a:t>
             </a:r>
             <a:r>
               <a:rPr lang="en-GB" b="1" i="0" dirty="0">
@@ -7265,7 +7283,7 @@
                 <a:effectLst/>
                 <a:latin typeface="Montserrat" pitchFamily="2" charset="77"/>
               </a:rPr>
-              <a:t>4831 7794</a:t>
+              <a:t> 1727 7990</a:t>
             </a:r>
             <a:endParaRPr lang="en-NO" dirty="0">
               <a:solidFill>
